--- a/SEDS_content/05.Procedural_Python.part2.pptx
+++ b/SEDS_content/05.Procedural_Python.part2.pptx
@@ -226,7 +226,7 @@
           <a:p>
             <a:fld id="{08F62E20-B1AA-3442-B8F1-F4A56998389D}" type="datetimeFigureOut">
               <a:rPr lang="en-US" smtClean="0"/>
-              <a:t>1/22/17</a:t>
+              <a:t>1/23/17</a:t>
             </a:fld>
             <a:endParaRPr lang="en-US"/>
           </a:p>
@@ -767,7 +767,7 @@
           <a:p>
             <a:fld id="{2691D6E4-0F7A-0249-86EF-226720E50E4C}" type="datetimeFigureOut">
               <a:rPr lang="en-US" smtClean="0"/>
-              <a:t>1/22/17</a:t>
+              <a:t>1/23/17</a:t>
             </a:fld>
             <a:endParaRPr lang="en-US"/>
           </a:p>
@@ -961,7 +961,7 @@
           <a:p>
             <a:fld id="{2691D6E4-0F7A-0249-86EF-226720E50E4C}" type="datetimeFigureOut">
               <a:rPr lang="en-US" smtClean="0"/>
-              <a:t>1/22/17</a:t>
+              <a:t>1/23/17</a:t>
             </a:fld>
             <a:endParaRPr lang="en-US"/>
           </a:p>
@@ -1165,7 +1165,7 @@
           <a:p>
             <a:fld id="{2691D6E4-0F7A-0249-86EF-226720E50E4C}" type="datetimeFigureOut">
               <a:rPr lang="en-US" smtClean="0"/>
-              <a:t>1/22/17</a:t>
+              <a:t>1/23/17</a:t>
             </a:fld>
             <a:endParaRPr lang="en-US"/>
           </a:p>
@@ -1359,7 +1359,7 @@
           <a:p>
             <a:fld id="{2691D6E4-0F7A-0249-86EF-226720E50E4C}" type="datetimeFigureOut">
               <a:rPr lang="en-US" smtClean="0"/>
-              <a:t>1/22/17</a:t>
+              <a:t>1/23/17</a:t>
             </a:fld>
             <a:endParaRPr lang="en-US"/>
           </a:p>
@@ -1629,7 +1629,7 @@
           <a:p>
             <a:fld id="{2691D6E4-0F7A-0249-86EF-226720E50E4C}" type="datetimeFigureOut">
               <a:rPr lang="en-US" smtClean="0"/>
-              <a:t>1/22/17</a:t>
+              <a:t>1/23/17</a:t>
             </a:fld>
             <a:endParaRPr lang="en-US"/>
           </a:p>
@@ -1941,7 +1941,7 @@
           <a:p>
             <a:fld id="{2691D6E4-0F7A-0249-86EF-226720E50E4C}" type="datetimeFigureOut">
               <a:rPr lang="en-US" smtClean="0"/>
-              <a:t>1/22/17</a:t>
+              <a:t>1/23/17</a:t>
             </a:fld>
             <a:endParaRPr lang="en-US"/>
           </a:p>
@@ -2387,7 +2387,7 @@
           <a:p>
             <a:fld id="{2691D6E4-0F7A-0249-86EF-226720E50E4C}" type="datetimeFigureOut">
               <a:rPr lang="en-US" smtClean="0"/>
-              <a:t>1/22/17</a:t>
+              <a:t>1/23/17</a:t>
             </a:fld>
             <a:endParaRPr lang="en-US"/>
           </a:p>
@@ -2529,7 +2529,7 @@
           <a:p>
             <a:fld id="{2691D6E4-0F7A-0249-86EF-226720E50E4C}" type="datetimeFigureOut">
               <a:rPr lang="en-US" smtClean="0"/>
-              <a:t>1/22/17</a:t>
+              <a:t>1/23/17</a:t>
             </a:fld>
             <a:endParaRPr lang="en-US"/>
           </a:p>
@@ -2648,7 +2648,7 @@
           <a:p>
             <a:fld id="{2691D6E4-0F7A-0249-86EF-226720E50E4C}" type="datetimeFigureOut">
               <a:rPr lang="en-US" smtClean="0"/>
-              <a:t>1/22/17</a:t>
+              <a:t>1/23/17</a:t>
             </a:fld>
             <a:endParaRPr lang="en-US"/>
           </a:p>
@@ -2949,7 +2949,7 @@
           <a:p>
             <a:fld id="{2691D6E4-0F7A-0249-86EF-226720E50E4C}" type="datetimeFigureOut">
               <a:rPr lang="en-US" smtClean="0"/>
-              <a:t>1/22/17</a:t>
+              <a:t>1/23/17</a:t>
             </a:fld>
             <a:endParaRPr lang="en-US"/>
           </a:p>
@@ -3226,7 +3226,7 @@
           <a:p>
             <a:fld id="{2691D6E4-0F7A-0249-86EF-226720E50E4C}" type="datetimeFigureOut">
               <a:rPr lang="en-US" smtClean="0"/>
-              <a:t>1/22/17</a:t>
+              <a:t>1/23/17</a:t>
             </a:fld>
             <a:endParaRPr lang="en-US"/>
           </a:p>
@@ -4271,8 +4271,17 @@
           <a:p>
             <a:r>
               <a:rPr lang="en-US" sz="3600" dirty="0" smtClean="0"/>
-              <a:t>(Doing It Right Every Critical Time) </a:t>
-            </a:r>
+              <a:t>(</a:t>
+            </a:r>
+            <a:r>
+              <a:rPr lang="en-US" sz="2400" dirty="0"/>
+              <a:t>Dispatch Irregularities, Rewrite, Expand, Collect, Terminate</a:t>
+            </a:r>
+            <a:r>
+              <a:rPr lang="en-US" sz="3600" dirty="0" smtClean="0"/>
+              <a:t>) </a:t>
+            </a:r>
+            <a:endParaRPr lang="en-US" sz="3600" dirty="0" smtClean="0"/>
           </a:p>
           <a:p>
             <a:r>
@@ -4398,9 +4407,6 @@
               </a:rPr>
               <a:t>Functions</a:t>
             </a:r>
-            <a:endParaRPr lang="en-US" dirty="0" smtClean="0">
-              <a:latin typeface="Calibri" charset="0"/>
-            </a:endParaRPr>
           </a:p>
           <a:p>
             <a:pPr lvl="1">
@@ -4412,17 +4418,14 @@
               <a:defRPr/>
             </a:pPr>
             <a:r>
-              <a:rPr lang="en-US" dirty="0">
+              <a:rPr lang="en-US" smtClean="0">
                 <a:latin typeface="Calibri" charset="0"/>
               </a:rPr>
-              <a:t>Hacky hack </a:t>
-            </a:r>
-            <a:r>
-              <a:rPr lang="en-US" dirty="0" smtClean="0">
-                <a:latin typeface="Calibri" charset="0"/>
-              </a:rPr>
-              <a:t>time</a:t>
-            </a:r>
+              <a:t>Overview</a:t>
+            </a:r>
+            <a:endParaRPr lang="en-US" dirty="0" smtClean="0">
+              <a:latin typeface="Calibri" charset="0"/>
+            </a:endParaRPr>
           </a:p>
           <a:p>
             <a:pPr lvl="1">
@@ -4434,6 +4437,28 @@
               <a:defRPr/>
             </a:pPr>
             <a:r>
+              <a:rPr lang="en-US" dirty="0">
+                <a:latin typeface="Calibri" charset="0"/>
+              </a:rPr>
+              <a:t>Hacky hack </a:t>
+            </a:r>
+            <a:r>
+              <a:rPr lang="en-US" dirty="0" smtClean="0">
+                <a:latin typeface="Calibri" charset="0"/>
+              </a:rPr>
+              <a:t>time</a:t>
+            </a:r>
+          </a:p>
+          <a:p>
+            <a:pPr lvl="1">
+              <a:spcBef>
+                <a:spcPts val="800"/>
+              </a:spcBef>
+              <a:buFont typeface="Arial" charset="0"/>
+              <a:buChar char="•"/>
+              <a:defRPr/>
+            </a:pPr>
+            <a:r>
               <a:rPr lang="en-US" dirty="0" smtClean="0">
                 <a:latin typeface="Calibri" charset="0"/>
               </a:rPr>
@@ -4479,11 +4504,7 @@
             <a:pPr lvl="2"/>
             <a:r>
               <a:rPr lang="en-US" dirty="0" smtClean="0"/>
-              <a:t>Sharing your code, thoughts, </a:t>
-            </a:r>
-            <a:r>
-              <a:rPr lang="en-US" smtClean="0"/>
-              <a:t>and problems</a:t>
+              <a:t>Sharing your code, thoughts, and problems</a:t>
             </a:r>
             <a:endParaRPr lang="en-US" dirty="0"/>
           </a:p>
